--- a/UAV model.pptx
+++ b/UAV model.pptx
@@ -5,7 +5,7 @@
     <p:sldMasterId id="2147483648" r:id="rId1"/>
   </p:sldMasterIdLst>
   <p:notesMasterIdLst>
-    <p:notesMasterId r:id="rId25"/>
+    <p:notesMasterId r:id="rId28"/>
   </p:notesMasterIdLst>
   <p:sldIdLst>
     <p:sldId id="256" r:id="rId2"/>
@@ -30,7 +30,10 @@
     <p:sldId id="287" r:id="rId21"/>
     <p:sldId id="266" r:id="rId22"/>
     <p:sldId id="274" r:id="rId23"/>
-    <p:sldId id="288" r:id="rId24"/>
+    <p:sldId id="289" r:id="rId24"/>
+    <p:sldId id="292" r:id="rId25"/>
+    <p:sldId id="291" r:id="rId26"/>
+    <p:sldId id="290" r:id="rId27"/>
   </p:sldIdLst>
   <p:sldSz cx="9144000" cy="6858000" type="screen4x3"/>
   <p:notesSz cx="6858000" cy="9144000"/>
@@ -219,7 +222,7 @@
           <a:p>
             <a:fld id="{307637D1-0B35-487F-8D03-58106C5FBC3F}" type="datetimeFigureOut">
               <a:rPr lang="vi-VN" smtClean="0"/>
-              <a:t>23/06/2021</a:t>
+              <a:t>25/06/2021</a:t>
             </a:fld>
             <a:endParaRPr lang="vi-VN"/>
           </a:p>
@@ -2728,7 +2731,7 @@
             </a:r>
             <a:r>
               <a:rPr lang="vi-VN" sz="2800" dirty="0"/>
-              <a:t>: 9</a:t>
+              <a:t>: 10</a:t>
             </a:r>
           </a:p>
           <a:p>
@@ -2891,7 +2894,438 @@
     </p:spTree>
     <p:extLst>
       <p:ext uri="{BB962C8B-B14F-4D97-AF65-F5344CB8AC3E}">
-        <p14:creationId xmlns:p14="http://schemas.microsoft.com/office/powerpoint/2010/main" val="1107600698"/>
+        <p14:creationId xmlns:p14="http://schemas.microsoft.com/office/powerpoint/2010/main" val="1685078374"/>
+      </p:ext>
+    </p:extLst>
+  </p:cSld>
+  <p:clrMapOvr>
+    <a:masterClrMapping/>
+  </p:clrMapOvr>
+</p:notes>
+</file>
+
+<file path=ppt/notesSlides/notesSlide21.xml><?xml version="1.0" encoding="utf-8"?>
+<p:notes xmlns:a="http://schemas.openxmlformats.org/drawingml/2006/main" xmlns:r="http://schemas.openxmlformats.org/officeDocument/2006/relationships" xmlns:p="http://schemas.openxmlformats.org/presentationml/2006/main">
+  <p:cSld>
+    <p:spTree>
+      <p:nvGrpSpPr>
+        <p:cNvPr id="1" name=""/>
+        <p:cNvGrpSpPr/>
+        <p:nvPr/>
+      </p:nvGrpSpPr>
+      <p:grpSpPr>
+        <a:xfrm>
+          <a:off x="0" y="0"/>
+          <a:ext cx="0" cy="0"/>
+          <a:chOff x="0" y="0"/>
+          <a:chExt cx="0" cy="0"/>
+        </a:xfrm>
+      </p:grpSpPr>
+      <p:sp>
+        <p:nvSpPr>
+          <p:cNvPr id="2" name="Slide Image Placeholder 1"/>
+          <p:cNvSpPr>
+            <a:spLocks noGrp="1" noRot="1" noChangeAspect="1"/>
+          </p:cNvSpPr>
+          <p:nvPr>
+            <p:ph type="sldImg"/>
+          </p:nvPr>
+        </p:nvSpPr>
+        <p:spPr/>
+      </p:sp>
+      <p:sp>
+        <p:nvSpPr>
+          <p:cNvPr id="3" name="Notes Placeholder 2"/>
+          <p:cNvSpPr>
+            <a:spLocks noGrp="1"/>
+          </p:cNvSpPr>
+          <p:nvPr>
+            <p:ph type="body" idx="1"/>
+          </p:nvPr>
+        </p:nvSpPr>
+        <p:spPr/>
+        <p:txBody>
+          <a:bodyPr/>
+          <a:lstStyle/>
+          <a:p>
+            <a:pPr marL="0" indent="0">
+              <a:buFont typeface="+mj-lt"/>
+              <a:buNone/>
+            </a:pPr>
+            <a:br>
+              <a:rPr lang="vi-VN" dirty="0"/>
+            </a:br>
+            <a:endParaRPr lang="vi-VN" dirty="0"/>
+          </a:p>
+        </p:txBody>
+      </p:sp>
+      <p:sp>
+        <p:nvSpPr>
+          <p:cNvPr id="4" name="Slide Number Placeholder 3"/>
+          <p:cNvSpPr>
+            <a:spLocks noGrp="1"/>
+          </p:cNvSpPr>
+          <p:nvPr>
+            <p:ph type="sldNum" sz="quarter" idx="5"/>
+          </p:nvPr>
+        </p:nvSpPr>
+        <p:spPr/>
+        <p:txBody>
+          <a:bodyPr/>
+          <a:lstStyle/>
+          <a:p>
+            <a:fld id="{E291A0B6-C5B3-40A2-88E5-2D2D9647CCD6}" type="slidenum">
+              <a:rPr lang="vi-VN" smtClean="0"/>
+              <a:t>24</a:t>
+            </a:fld>
+            <a:endParaRPr lang="vi-VN"/>
+          </a:p>
+        </p:txBody>
+      </p:sp>
+    </p:spTree>
+    <p:extLst>
+      <p:ext uri="{BB962C8B-B14F-4D97-AF65-F5344CB8AC3E}">
+        <p14:creationId xmlns:p14="http://schemas.microsoft.com/office/powerpoint/2010/main" val="3137764378"/>
+      </p:ext>
+    </p:extLst>
+  </p:cSld>
+  <p:clrMapOvr>
+    <a:masterClrMapping/>
+  </p:clrMapOvr>
+</p:notes>
+</file>
+
+<file path=ppt/notesSlides/notesSlide22.xml><?xml version="1.0" encoding="utf-8"?>
+<p:notes xmlns:a="http://schemas.openxmlformats.org/drawingml/2006/main" xmlns:r="http://schemas.openxmlformats.org/officeDocument/2006/relationships" xmlns:p="http://schemas.openxmlformats.org/presentationml/2006/main">
+  <p:cSld>
+    <p:spTree>
+      <p:nvGrpSpPr>
+        <p:cNvPr id="1" name=""/>
+        <p:cNvGrpSpPr/>
+        <p:nvPr/>
+      </p:nvGrpSpPr>
+      <p:grpSpPr>
+        <a:xfrm>
+          <a:off x="0" y="0"/>
+          <a:ext cx="0" cy="0"/>
+          <a:chOff x="0" y="0"/>
+          <a:chExt cx="0" cy="0"/>
+        </a:xfrm>
+      </p:grpSpPr>
+      <p:sp>
+        <p:nvSpPr>
+          <p:cNvPr id="2" name="Slide Image Placeholder 1"/>
+          <p:cNvSpPr>
+            <a:spLocks noGrp="1" noRot="1" noChangeAspect="1"/>
+          </p:cNvSpPr>
+          <p:nvPr>
+            <p:ph type="sldImg"/>
+          </p:nvPr>
+        </p:nvSpPr>
+        <p:spPr/>
+      </p:sp>
+      <p:sp>
+        <p:nvSpPr>
+          <p:cNvPr id="3" name="Notes Placeholder 2"/>
+          <p:cNvSpPr>
+            <a:spLocks noGrp="1"/>
+          </p:cNvSpPr>
+          <p:nvPr>
+            <p:ph type="body" idx="1"/>
+          </p:nvPr>
+        </p:nvSpPr>
+        <p:spPr/>
+        <p:txBody>
+          <a:bodyPr/>
+          <a:lstStyle/>
+          <a:p>
+            <a:pPr marL="514350" indent="-514350">
+              <a:buFont typeface="+mj-lt"/>
+              <a:buAutoNum type="arabicPeriod"/>
+            </a:pPr>
+            <a:r>
+              <a:rPr lang="vi-VN" sz="2800" dirty="0" err="1"/>
+              <a:t>Số</a:t>
+            </a:r>
+            <a:r>
+              <a:rPr lang="vi-VN" sz="2800" dirty="0"/>
+              <a:t> </a:t>
+            </a:r>
+            <a:r>
+              <a:rPr lang="vi-VN" sz="2800" dirty="0" err="1"/>
+              <a:t>khách</a:t>
+            </a:r>
+            <a:r>
+              <a:rPr lang="vi-VN" sz="2800" dirty="0"/>
+              <a:t> </a:t>
+            </a:r>
+            <a:r>
+              <a:rPr lang="vi-VN" sz="2800" dirty="0" err="1"/>
+              <a:t>hàng</a:t>
+            </a:r>
+            <a:r>
+              <a:rPr lang="vi-VN" sz="2800" dirty="0"/>
+              <a:t>: 10</a:t>
+            </a:r>
+          </a:p>
+          <a:p>
+            <a:pPr marL="514350" indent="-514350">
+              <a:buFont typeface="+mj-lt"/>
+              <a:buAutoNum type="arabicPeriod"/>
+            </a:pPr>
+            <a:r>
+              <a:rPr lang="vi-VN" sz="2800" dirty="0" err="1"/>
+              <a:t>Demand</a:t>
+            </a:r>
+            <a:r>
+              <a:rPr lang="vi-VN" sz="2800" dirty="0"/>
+              <a:t>: 1 – 5</a:t>
+            </a:r>
+          </a:p>
+          <a:p>
+            <a:pPr marL="514350" indent="-514350">
+              <a:buFont typeface="+mj-lt"/>
+              <a:buAutoNum type="arabicPeriod"/>
+            </a:pPr>
+            <a:r>
+              <a:rPr lang="vi-VN" sz="2800" dirty="0" err="1"/>
+              <a:t>Drone</a:t>
+            </a:r>
+            <a:r>
+              <a:rPr lang="vi-VN" sz="2800" dirty="0"/>
+              <a:t> </a:t>
+            </a:r>
+            <a:r>
+              <a:rPr lang="vi-VN" sz="2800" dirty="0" err="1"/>
+              <a:t>capacity</a:t>
+            </a:r>
+            <a:r>
+              <a:rPr lang="vi-VN" sz="2800" dirty="0"/>
+              <a:t>: 8</a:t>
+            </a:r>
+          </a:p>
+          <a:p>
+            <a:pPr marL="514350" indent="-514350">
+              <a:buFont typeface="+mj-lt"/>
+              <a:buAutoNum type="arabicPeriod"/>
+            </a:pPr>
+            <a:r>
+              <a:rPr lang="vi-VN" sz="2800" dirty="0"/>
+              <a:t>GA </a:t>
+            </a:r>
+            <a:r>
+              <a:rPr lang="vi-VN" sz="2800" dirty="0" err="1"/>
+              <a:t>params</a:t>
+            </a:r>
+            <a:r>
+              <a:rPr lang="vi-VN" sz="2800" dirty="0"/>
+              <a:t>:</a:t>
+            </a:r>
+          </a:p>
+          <a:p>
+            <a:pPr marL="971550" lvl="1" indent="-514350">
+              <a:buFont typeface="+mj-lt"/>
+              <a:buAutoNum type="arabicPeriod"/>
+            </a:pPr>
+            <a:r>
+              <a:rPr lang="vi-VN" sz="2800" dirty="0" err="1"/>
+              <a:t>Số</a:t>
+            </a:r>
+            <a:r>
+              <a:rPr lang="vi-VN" sz="2800" dirty="0"/>
+              <a:t> </a:t>
+            </a:r>
+            <a:r>
+              <a:rPr lang="vi-VN" sz="2800" dirty="0" err="1"/>
+              <a:t>lượng</a:t>
+            </a:r>
+            <a:r>
+              <a:rPr lang="vi-VN" sz="2800" dirty="0"/>
+              <a:t> </a:t>
+            </a:r>
+            <a:r>
+              <a:rPr lang="vi-VN" sz="2800" dirty="0" err="1"/>
+              <a:t>quần</a:t>
+            </a:r>
+            <a:r>
+              <a:rPr lang="vi-VN" sz="2800" dirty="0"/>
+              <a:t> </a:t>
+            </a:r>
+            <a:r>
+              <a:rPr lang="vi-VN" sz="2800" dirty="0" err="1"/>
+              <a:t>thể</a:t>
+            </a:r>
+            <a:r>
+              <a:rPr lang="vi-VN" sz="2800" dirty="0"/>
+              <a:t>: 50</a:t>
+            </a:r>
+          </a:p>
+          <a:p>
+            <a:pPr marL="971550" lvl="1" indent="-514350">
+              <a:buFont typeface="+mj-lt"/>
+              <a:buAutoNum type="arabicPeriod"/>
+            </a:pPr>
+            <a:r>
+              <a:rPr lang="vi-VN" sz="2800" dirty="0" err="1"/>
+              <a:t>Số</a:t>
+            </a:r>
+            <a:r>
+              <a:rPr lang="vi-VN" sz="2800" dirty="0"/>
+              <a:t> </a:t>
+            </a:r>
+            <a:r>
+              <a:rPr lang="vi-VN" sz="2800" dirty="0" err="1"/>
+              <a:t>lần</a:t>
+            </a:r>
+            <a:r>
+              <a:rPr lang="vi-VN" sz="2800" dirty="0"/>
+              <a:t> </a:t>
+            </a:r>
+            <a:r>
+              <a:rPr lang="vi-VN" sz="2800" dirty="0" err="1"/>
+              <a:t>lặp</a:t>
+            </a:r>
+            <a:r>
+              <a:rPr lang="vi-VN" sz="2800" dirty="0"/>
+              <a:t>: 100</a:t>
+            </a:r>
+            <a:br>
+              <a:rPr lang="el-GR" sz="2800" dirty="0"/>
+            </a:br>
+            <a:br>
+              <a:rPr lang="vi-VN" dirty="0"/>
+            </a:br>
+            <a:br>
+              <a:rPr lang="vi-VN" dirty="0"/>
+            </a:br>
+            <a:endParaRPr lang="vi-VN" dirty="0"/>
+          </a:p>
+        </p:txBody>
+      </p:sp>
+      <p:sp>
+        <p:nvSpPr>
+          <p:cNvPr id="4" name="Slide Number Placeholder 3"/>
+          <p:cNvSpPr>
+            <a:spLocks noGrp="1"/>
+          </p:cNvSpPr>
+          <p:nvPr>
+            <p:ph type="sldNum" sz="quarter" idx="5"/>
+          </p:nvPr>
+        </p:nvSpPr>
+        <p:spPr/>
+        <p:txBody>
+          <a:bodyPr/>
+          <a:lstStyle/>
+          <a:p>
+            <a:fld id="{E291A0B6-C5B3-40A2-88E5-2D2D9647CCD6}" type="slidenum">
+              <a:rPr lang="vi-VN" smtClean="0"/>
+              <a:t>25</a:t>
+            </a:fld>
+            <a:endParaRPr lang="vi-VN"/>
+          </a:p>
+        </p:txBody>
+      </p:sp>
+    </p:spTree>
+    <p:extLst>
+      <p:ext uri="{BB962C8B-B14F-4D97-AF65-F5344CB8AC3E}">
+        <p14:creationId xmlns:p14="http://schemas.microsoft.com/office/powerpoint/2010/main" val="1686295994"/>
+      </p:ext>
+    </p:extLst>
+  </p:cSld>
+  <p:clrMapOvr>
+    <a:masterClrMapping/>
+  </p:clrMapOvr>
+</p:notes>
+</file>
+
+<file path=ppt/notesSlides/notesSlide23.xml><?xml version="1.0" encoding="utf-8"?>
+<p:notes xmlns:a="http://schemas.openxmlformats.org/drawingml/2006/main" xmlns:r="http://schemas.openxmlformats.org/officeDocument/2006/relationships" xmlns:p="http://schemas.openxmlformats.org/presentationml/2006/main">
+  <p:cSld>
+    <p:spTree>
+      <p:nvGrpSpPr>
+        <p:cNvPr id="1" name=""/>
+        <p:cNvGrpSpPr/>
+        <p:nvPr/>
+      </p:nvGrpSpPr>
+      <p:grpSpPr>
+        <a:xfrm>
+          <a:off x="0" y="0"/>
+          <a:ext cx="0" cy="0"/>
+          <a:chOff x="0" y="0"/>
+          <a:chExt cx="0" cy="0"/>
+        </a:xfrm>
+      </p:grpSpPr>
+      <p:sp>
+        <p:nvSpPr>
+          <p:cNvPr id="2" name="Slide Image Placeholder 1"/>
+          <p:cNvSpPr>
+            <a:spLocks noGrp="1" noRot="1" noChangeAspect="1"/>
+          </p:cNvSpPr>
+          <p:nvPr>
+            <p:ph type="sldImg"/>
+          </p:nvPr>
+        </p:nvSpPr>
+        <p:spPr/>
+      </p:sp>
+      <p:sp>
+        <p:nvSpPr>
+          <p:cNvPr id="3" name="Notes Placeholder 2"/>
+          <p:cNvSpPr>
+            <a:spLocks noGrp="1"/>
+          </p:cNvSpPr>
+          <p:nvPr>
+            <p:ph type="body" idx="1"/>
+          </p:nvPr>
+        </p:nvSpPr>
+        <p:spPr/>
+        <p:txBody>
+          <a:bodyPr/>
+          <a:lstStyle/>
+          <a:p>
+            <a:pPr marL="0" indent="0">
+              <a:buFont typeface="+mj-lt"/>
+              <a:buNone/>
+            </a:pPr>
+            <a:br>
+              <a:rPr lang="el-GR" sz="2800" dirty="0"/>
+            </a:br>
+            <a:br>
+              <a:rPr lang="vi-VN" dirty="0"/>
+            </a:br>
+            <a:br>
+              <a:rPr lang="vi-VN" dirty="0"/>
+            </a:br>
+            <a:endParaRPr lang="vi-VN" dirty="0"/>
+          </a:p>
+        </p:txBody>
+      </p:sp>
+      <p:sp>
+        <p:nvSpPr>
+          <p:cNvPr id="4" name="Slide Number Placeholder 3"/>
+          <p:cNvSpPr>
+            <a:spLocks noGrp="1"/>
+          </p:cNvSpPr>
+          <p:nvPr>
+            <p:ph type="sldNum" sz="quarter" idx="5"/>
+          </p:nvPr>
+        </p:nvSpPr>
+        <p:spPr/>
+        <p:txBody>
+          <a:bodyPr/>
+          <a:lstStyle/>
+          <a:p>
+            <a:fld id="{E291A0B6-C5B3-40A2-88E5-2D2D9647CCD6}" type="slidenum">
+              <a:rPr lang="vi-VN" smtClean="0"/>
+              <a:t>26</a:t>
+            </a:fld>
+            <a:endParaRPr lang="vi-VN"/>
+          </a:p>
+        </p:txBody>
+      </p:sp>
+    </p:spTree>
+    <p:extLst>
+      <p:ext uri="{BB962C8B-B14F-4D97-AF65-F5344CB8AC3E}">
+        <p14:creationId xmlns:p14="http://schemas.microsoft.com/office/powerpoint/2010/main" val="1643728076"/>
       </p:ext>
     </p:extLst>
   </p:cSld>
@@ -5774,7 +6208,7 @@
           <a:p>
             <a:fld id="{68B8A893-7D4F-437B-AE06-DDBCE412B29A}" type="datetime1">
               <a:rPr lang="en-US" smtClean="0"/>
-              <a:t>6/23/2021</a:t>
+              <a:t>6/25/2021</a:t>
             </a:fld>
             <a:endParaRPr lang="en-US"/>
           </a:p>
@@ -5942,7 +6376,7 @@
           <a:p>
             <a:fld id="{0CE2C0E1-A1EF-4111-96C2-56B2A9E02958}" type="datetime1">
               <a:rPr lang="en-US" smtClean="0"/>
-              <a:t>6/23/2021</a:t>
+              <a:t>6/25/2021</a:t>
             </a:fld>
             <a:endParaRPr lang="en-US"/>
           </a:p>
@@ -6120,7 +6554,7 @@
           <a:p>
             <a:fld id="{D523713B-D386-4EDC-97F8-E647734AF623}" type="datetime1">
               <a:rPr lang="en-US" smtClean="0"/>
-              <a:t>6/23/2021</a:t>
+              <a:t>6/25/2021</a:t>
             </a:fld>
             <a:endParaRPr lang="en-US"/>
           </a:p>
@@ -6288,7 +6722,7 @@
           <a:p>
             <a:fld id="{45547B45-F213-4EA2-83F1-387EBF839BFF}" type="datetime1">
               <a:rPr lang="en-US" smtClean="0"/>
-              <a:t>6/23/2021</a:t>
+              <a:t>6/25/2021</a:t>
             </a:fld>
             <a:endParaRPr lang="en-US"/>
           </a:p>
@@ -6533,7 +6967,7 @@
           <a:p>
             <a:fld id="{1566365A-4133-4764-A68D-FD105F6707C0}" type="datetime1">
               <a:rPr lang="en-US" smtClean="0"/>
-              <a:t>6/23/2021</a:t>
+              <a:t>6/25/2021</a:t>
             </a:fld>
             <a:endParaRPr lang="en-US"/>
           </a:p>
@@ -6762,7 +7196,7 @@
           <a:p>
             <a:fld id="{D4EE18BB-C99E-48A1-B609-EF899BFD2F04}" type="datetime1">
               <a:rPr lang="en-US" smtClean="0"/>
-              <a:t>6/23/2021</a:t>
+              <a:t>6/25/2021</a:t>
             </a:fld>
             <a:endParaRPr lang="en-US"/>
           </a:p>
@@ -7126,7 +7560,7 @@
           <a:p>
             <a:fld id="{6C8A53B5-76CE-4AE5-91AB-8B8EA677F04E}" type="datetime1">
               <a:rPr lang="en-US" smtClean="0"/>
-              <a:t>6/23/2021</a:t>
+              <a:t>6/25/2021</a:t>
             </a:fld>
             <a:endParaRPr lang="en-US"/>
           </a:p>
@@ -7235,7 +7669,7 @@
           <a:p>
             <a:fld id="{F9BB3263-FBA5-4BAD-9ABD-412DFBA3DE0C}" type="datetime1">
               <a:rPr lang="en-US" smtClean="0"/>
-              <a:t>6/23/2021</a:t>
+              <a:t>6/25/2021</a:t>
             </a:fld>
             <a:endParaRPr lang="en-US"/>
           </a:p>
@@ -7344,7 +7778,7 @@
           <a:p>
             <a:fld id="{BE0F356C-E142-4B6F-A557-B17D1637AE60}" type="datetime1">
               <a:rPr lang="en-US" smtClean="0"/>
-              <a:t>6/23/2021</a:t>
+              <a:t>6/25/2021</a:t>
             </a:fld>
             <a:endParaRPr lang="en-US"/>
           </a:p>
@@ -7619,7 +8053,7 @@
           <a:p>
             <a:fld id="{334CF9DB-1A01-46D0-8165-03F0FFF4044D}" type="datetime1">
               <a:rPr lang="en-US" smtClean="0"/>
-              <a:t>6/23/2021</a:t>
+              <a:t>6/25/2021</a:t>
             </a:fld>
             <a:endParaRPr lang="en-US"/>
           </a:p>
@@ -7874,7 +8308,7 @@
           <a:p>
             <a:fld id="{C65E717F-93C2-44BD-BD61-B0CBBC8565CE}" type="datetime1">
               <a:rPr lang="en-US" smtClean="0"/>
-              <a:t>6/23/2021</a:t>
+              <a:t>6/25/2021</a:t>
             </a:fld>
             <a:endParaRPr lang="en-US"/>
           </a:p>
@@ -8094,7 +8528,7 @@
           <a:p>
             <a:fld id="{65E77240-3924-4445-9B7F-B4C3C6715874}" type="datetime1">
               <a:rPr lang="en-US" smtClean="0"/>
-              <a:t>6/23/2021</a:t>
+              <a:t>6/25/2021</a:t>
             </a:fld>
             <a:endParaRPr lang="en-US"/>
           </a:p>
@@ -23136,10 +23570,20 @@
           </a:bodyPr>
           <a:lstStyle/>
           <a:p>
-            <a:endParaRPr lang="en-US" sz="3200" dirty="0">
-              <a:latin typeface="Times New Roman" panose="02020603050405020304" pitchFamily="18" charset="0"/>
-              <a:cs typeface="Times New Roman" panose="02020603050405020304" pitchFamily="18" charset="0"/>
-            </a:endParaRPr>
+            <a:r>
+              <a:rPr lang="en-US" sz="3200" dirty="0" err="1">
+                <a:latin typeface="Times New Roman" panose="02020603050405020304" pitchFamily="18" charset="0"/>
+                <a:cs typeface="Times New Roman" panose="02020603050405020304" pitchFamily="18" charset="0"/>
+              </a:rPr>
+              <a:t>Nội</a:t>
+            </a:r>
+            <a:r>
+              <a:rPr lang="en-US" sz="3200" dirty="0">
+                <a:latin typeface="Times New Roman" panose="02020603050405020304" pitchFamily="18" charset="0"/>
+                <a:cs typeface="Times New Roman" panose="02020603050405020304" pitchFamily="18" charset="0"/>
+              </a:rPr>
+              <a:t> dung</a:t>
+            </a:r>
           </a:p>
         </p:txBody>
       </p:sp>
@@ -23306,6 +23750,21 @@
             <a:r>
               <a:rPr lang="en-US" sz="2600" dirty="0" err="1"/>
               <a:t>nghiệm</a:t>
+            </a:r>
+            <a:endParaRPr lang="en-US" sz="2600" dirty="0"/>
+          </a:p>
+          <a:p>
+            <a:r>
+              <a:rPr lang="en-US" sz="2600" dirty="0" err="1"/>
+              <a:t>Kết</a:t>
+            </a:r>
+            <a:r>
+              <a:rPr lang="en-US" sz="2600" dirty="0"/>
+              <a:t> </a:t>
+            </a:r>
+            <a:r>
+              <a:rPr lang="en-US" sz="2600" dirty="0" err="1"/>
+              <a:t>luận</a:t>
             </a:r>
             <a:endParaRPr lang="vi-VN" sz="2600" dirty="0"/>
           </a:p>
@@ -23468,26 +23927,26 @@
               <a:buAutoNum type="arabicPeriod" startAt="4"/>
             </a:pPr>
             <a:r>
-              <a:rPr lang="vi-VN" sz="2400" dirty="0" err="1"/>
+              <a:rPr lang="vi-VN" dirty="0" err="1"/>
               <a:t>Chọn</a:t>
             </a:r>
             <a:r>
-              <a:rPr lang="vi-VN" sz="2400" dirty="0"/>
-              <a:t> </a:t>
-            </a:r>
-            <a:r>
-              <a:rPr lang="vi-VN" sz="2400" dirty="0" err="1"/>
+              <a:rPr lang="vi-VN" dirty="0"/>
+              <a:t> </a:t>
+            </a:r>
+            <a:r>
+              <a:rPr lang="vi-VN" dirty="0" err="1"/>
               <a:t>lọc</a:t>
             </a:r>
             <a:r>
-              <a:rPr lang="vi-VN" sz="2400" dirty="0"/>
+              <a:rPr lang="vi-VN" dirty="0"/>
               <a:t> cha </a:t>
             </a:r>
             <a:r>
-              <a:rPr lang="vi-VN" sz="2400" dirty="0" err="1"/>
+              <a:rPr lang="vi-VN" dirty="0" err="1"/>
               <a:t>mẹ</a:t>
             </a:r>
-            <a:endParaRPr lang="vi-VN" sz="2400" dirty="0"/>
+            <a:endParaRPr lang="vi-VN" dirty="0"/>
           </a:p>
           <a:p>
             <a:pPr lvl="1"/>
@@ -23814,30 +24273,30 @@
               <a:buAutoNum type="arabicPeriod" startAt="5"/>
             </a:pPr>
             <a:r>
-              <a:rPr lang="vi-VN" sz="2400" dirty="0"/>
+              <a:rPr lang="vi-VN" dirty="0"/>
               <a:t>Cơ </a:t>
             </a:r>
             <a:r>
-              <a:rPr lang="vi-VN" sz="2400" dirty="0" err="1"/>
+              <a:rPr lang="vi-VN" dirty="0" err="1"/>
               <a:t>chế</a:t>
             </a:r>
             <a:r>
-              <a:rPr lang="vi-VN" sz="2400" dirty="0"/>
-              <a:t> </a:t>
-            </a:r>
-            <a:r>
-              <a:rPr lang="vi-VN" sz="2400" dirty="0" err="1"/>
+              <a:rPr lang="vi-VN" dirty="0"/>
+              <a:t> </a:t>
+            </a:r>
+            <a:r>
+              <a:rPr lang="vi-VN" dirty="0" err="1"/>
               <a:t>chọn</a:t>
             </a:r>
             <a:r>
-              <a:rPr lang="vi-VN" sz="2400" dirty="0"/>
-              <a:t> </a:t>
-            </a:r>
-            <a:r>
-              <a:rPr lang="vi-VN" sz="2400" dirty="0" err="1"/>
+              <a:rPr lang="vi-VN" dirty="0"/>
+              <a:t> </a:t>
+            </a:r>
+            <a:r>
+              <a:rPr lang="vi-VN" dirty="0" err="1"/>
               <a:t>lọc</a:t>
             </a:r>
-            <a:endParaRPr lang="vi-VN" sz="2400" dirty="0"/>
+            <a:endParaRPr lang="vi-VN" dirty="0"/>
           </a:p>
           <a:p>
             <a:pPr lvl="1"/>
@@ -24622,10 +25081,10 @@
       </p:sp>
       <p:pic>
         <p:nvPicPr>
-          <p:cNvPr id="6" name="Picture 5">
-            <a:extLst>
-              <a:ext uri="{FF2B5EF4-FFF2-40B4-BE49-F238E27FC236}">
-                <a16:creationId xmlns:a16="http://schemas.microsoft.com/office/drawing/2014/main" id="{D83D971D-65CC-4506-B612-F3A552418B62}"/>
+          <p:cNvPr id="10" name="Picture 9">
+            <a:extLst>
+              <a:ext uri="{FF2B5EF4-FFF2-40B4-BE49-F238E27FC236}">
+                <a16:creationId xmlns:a16="http://schemas.microsoft.com/office/drawing/2014/main" id="{180527EF-8291-4707-A55B-08ED456F1810}"/>
               </a:ext>
             </a:extLst>
           </p:cNvPr>
@@ -24642,8 +25101,8 @@
         </p:blipFill>
         <p:spPr>
           <a:xfrm>
-            <a:off x="4502150" y="1809243"/>
-            <a:ext cx="4614347" cy="3882531"/>
+            <a:off x="111969" y="2127292"/>
+            <a:ext cx="4572000" cy="3472042"/>
           </a:xfrm>
           <a:prstGeom prst="rect">
             <a:avLst/>
@@ -24652,10 +25111,10 @@
       </p:pic>
       <p:pic>
         <p:nvPicPr>
-          <p:cNvPr id="20" name="Picture 19">
-            <a:extLst>
-              <a:ext uri="{FF2B5EF4-FFF2-40B4-BE49-F238E27FC236}">
-                <a16:creationId xmlns:a16="http://schemas.microsoft.com/office/drawing/2014/main" id="{0CB4AF9B-48ED-4EAA-B316-0FF5D84663AE}"/>
+          <p:cNvPr id="12" name="Picture 11">
+            <a:extLst>
+              <a:ext uri="{FF2B5EF4-FFF2-40B4-BE49-F238E27FC236}">
+                <a16:creationId xmlns:a16="http://schemas.microsoft.com/office/drawing/2014/main" id="{1D94CCB3-FB7D-47A6-BEB9-27DA128D1CEA}"/>
               </a:ext>
             </a:extLst>
           </p:cNvPr>
@@ -24672,8 +25131,8 @@
         </p:blipFill>
         <p:spPr>
           <a:xfrm>
-            <a:off x="42601" y="1809243"/>
-            <a:ext cx="4392484" cy="3888846"/>
+            <a:off x="4598899" y="2235077"/>
+            <a:ext cx="4433132" cy="3302642"/>
           </a:xfrm>
           <a:prstGeom prst="rect">
             <a:avLst/>
@@ -24683,7 +25142,787 @@
     </p:spTree>
     <p:extLst>
       <p:ext uri="{BB962C8B-B14F-4D97-AF65-F5344CB8AC3E}">
-        <p14:creationId xmlns:p14="http://schemas.microsoft.com/office/powerpoint/2010/main" val="2447085878"/>
+        <p14:creationId xmlns:p14="http://schemas.microsoft.com/office/powerpoint/2010/main" val="1355143299"/>
+      </p:ext>
+    </p:extLst>
+  </p:cSld>
+  <p:clrMapOvr>
+    <a:masterClrMapping/>
+  </p:clrMapOvr>
+</p:sld>
+</file>
+
+<file path=ppt/slides/slide24.xml><?xml version="1.0" encoding="utf-8"?>
+<p:sld xmlns:a="http://schemas.openxmlformats.org/drawingml/2006/main" xmlns:r="http://schemas.openxmlformats.org/officeDocument/2006/relationships" xmlns:p="http://schemas.openxmlformats.org/presentationml/2006/main">
+  <p:cSld>
+    <p:spTree>
+      <p:nvGrpSpPr>
+        <p:cNvPr id="1" name=""/>
+        <p:cNvGrpSpPr/>
+        <p:nvPr/>
+      </p:nvGrpSpPr>
+      <p:grpSpPr>
+        <a:xfrm>
+          <a:off x="0" y="0"/>
+          <a:ext cx="0" cy="0"/>
+          <a:chOff x="0" y="0"/>
+          <a:chExt cx="0" cy="0"/>
+        </a:xfrm>
+      </p:grpSpPr>
+      <p:sp>
+        <p:nvSpPr>
+          <p:cNvPr id="2" name="Title 1">
+            <a:extLst>
+              <a:ext uri="{FF2B5EF4-FFF2-40B4-BE49-F238E27FC236}">
+                <a16:creationId xmlns:a16="http://schemas.microsoft.com/office/drawing/2014/main" id="{30B8C323-F735-40B1-8A8A-375361E37B63}"/>
+              </a:ext>
+            </a:extLst>
+          </p:cNvPr>
+          <p:cNvSpPr>
+            <a:spLocks noGrp="1"/>
+          </p:cNvSpPr>
+          <p:nvPr>
+            <p:ph type="title"/>
+          </p:nvPr>
+        </p:nvSpPr>
+        <p:spPr/>
+        <p:txBody>
+          <a:bodyPr/>
+          <a:lstStyle/>
+          <a:p>
+            <a:r>
+              <a:rPr lang="en-US" dirty="0" err="1">
+                <a:latin typeface="Times New Roman" panose="02020603050405020304" pitchFamily="18" charset="0"/>
+                <a:cs typeface="Times New Roman" panose="02020603050405020304" pitchFamily="18" charset="0"/>
+              </a:rPr>
+              <a:t>Kết</a:t>
+            </a:r>
+            <a:r>
+              <a:rPr lang="en-US" dirty="0">
+                <a:latin typeface="Times New Roman" panose="02020603050405020304" pitchFamily="18" charset="0"/>
+                <a:cs typeface="Times New Roman" panose="02020603050405020304" pitchFamily="18" charset="0"/>
+              </a:rPr>
+              <a:t> </a:t>
+            </a:r>
+            <a:r>
+              <a:rPr lang="en-US" dirty="0" err="1">
+                <a:latin typeface="Times New Roman" panose="02020603050405020304" pitchFamily="18" charset="0"/>
+                <a:cs typeface="Times New Roman" panose="02020603050405020304" pitchFamily="18" charset="0"/>
+              </a:rPr>
+              <a:t>quả</a:t>
+            </a:r>
+            <a:r>
+              <a:rPr lang="en-US" dirty="0">
+                <a:latin typeface="Times New Roman" panose="02020603050405020304" pitchFamily="18" charset="0"/>
+                <a:cs typeface="Times New Roman" panose="02020603050405020304" pitchFamily="18" charset="0"/>
+              </a:rPr>
+              <a:t> </a:t>
+            </a:r>
+            <a:r>
+              <a:rPr lang="en-US" dirty="0" err="1">
+                <a:latin typeface="Times New Roman" panose="02020603050405020304" pitchFamily="18" charset="0"/>
+                <a:cs typeface="Times New Roman" panose="02020603050405020304" pitchFamily="18" charset="0"/>
+              </a:rPr>
+              <a:t>thực</a:t>
+            </a:r>
+            <a:r>
+              <a:rPr lang="en-US" dirty="0">
+                <a:latin typeface="Times New Roman" panose="02020603050405020304" pitchFamily="18" charset="0"/>
+                <a:cs typeface="Times New Roman" panose="02020603050405020304" pitchFamily="18" charset="0"/>
+              </a:rPr>
+              <a:t> </a:t>
+            </a:r>
+            <a:r>
+              <a:rPr lang="en-US" dirty="0" err="1">
+                <a:latin typeface="Times New Roman" panose="02020603050405020304" pitchFamily="18" charset="0"/>
+                <a:cs typeface="Times New Roman" panose="02020603050405020304" pitchFamily="18" charset="0"/>
+              </a:rPr>
+              <a:t>nghiệm</a:t>
+            </a:r>
+            <a:endParaRPr lang="en-US" dirty="0">
+              <a:latin typeface="Times New Roman" panose="02020603050405020304" pitchFamily="18" charset="0"/>
+              <a:cs typeface="Times New Roman" panose="02020603050405020304" pitchFamily="18" charset="0"/>
+            </a:endParaRPr>
+          </a:p>
+        </p:txBody>
+      </p:sp>
+      <p:sp>
+        <p:nvSpPr>
+          <p:cNvPr id="3" name="Slide Number Placeholder 2">
+            <a:extLst>
+              <a:ext uri="{FF2B5EF4-FFF2-40B4-BE49-F238E27FC236}">
+                <a16:creationId xmlns:a16="http://schemas.microsoft.com/office/drawing/2014/main" id="{AABD8BF3-E034-4A5B-8573-7AA8EE04091A}"/>
+              </a:ext>
+            </a:extLst>
+          </p:cNvPr>
+          <p:cNvSpPr>
+            <a:spLocks noGrp="1"/>
+          </p:cNvSpPr>
+          <p:nvPr>
+            <p:ph type="sldNum" sz="quarter" idx="12"/>
+          </p:nvPr>
+        </p:nvSpPr>
+        <p:spPr/>
+        <p:txBody>
+          <a:bodyPr/>
+          <a:lstStyle/>
+          <a:p>
+            <a:fld id="{A02EBBDA-6239-48A4-BF42-145536EAE284}" type="slidenum">
+              <a:rPr lang="en-US" smtClean="0"/>
+              <a:t>24</a:t>
+            </a:fld>
+            <a:endParaRPr lang="en-US"/>
+          </a:p>
+        </p:txBody>
+      </p:sp>
+      <p:pic>
+        <p:nvPicPr>
+          <p:cNvPr id="6" name="Picture 5">
+            <a:extLst>
+              <a:ext uri="{FF2B5EF4-FFF2-40B4-BE49-F238E27FC236}">
+                <a16:creationId xmlns:a16="http://schemas.microsoft.com/office/drawing/2014/main" id="{8A1FC06D-1C0A-4870-AD9B-F1966E17826B}"/>
+              </a:ext>
+            </a:extLst>
+          </p:cNvPr>
+          <p:cNvPicPr>
+            <a:picLocks noChangeAspect="1"/>
+          </p:cNvPicPr>
+          <p:nvPr/>
+        </p:nvPicPr>
+        <p:blipFill>
+          <a:blip r:embed="rId3"/>
+          <a:stretch>
+            <a:fillRect/>
+          </a:stretch>
+        </p:blipFill>
+        <p:spPr>
+          <a:xfrm>
+            <a:off x="1048149" y="1503989"/>
+            <a:ext cx="6798986" cy="4787416"/>
+          </a:xfrm>
+          <a:prstGeom prst="rect">
+            <a:avLst/>
+          </a:prstGeom>
+        </p:spPr>
+      </p:pic>
+    </p:spTree>
+    <p:extLst>
+      <p:ext uri="{BB962C8B-B14F-4D97-AF65-F5344CB8AC3E}">
+        <p14:creationId xmlns:p14="http://schemas.microsoft.com/office/powerpoint/2010/main" val="1206289490"/>
+      </p:ext>
+    </p:extLst>
+  </p:cSld>
+  <p:clrMapOvr>
+    <a:masterClrMapping/>
+  </p:clrMapOvr>
+</p:sld>
+</file>
+
+<file path=ppt/slides/slide25.xml><?xml version="1.0" encoding="utf-8"?>
+<p:sld xmlns:a="http://schemas.openxmlformats.org/drawingml/2006/main" xmlns:r="http://schemas.openxmlformats.org/officeDocument/2006/relationships" xmlns:p="http://schemas.openxmlformats.org/presentationml/2006/main">
+  <p:cSld>
+    <p:spTree>
+      <p:nvGrpSpPr>
+        <p:cNvPr id="1" name=""/>
+        <p:cNvGrpSpPr/>
+        <p:nvPr/>
+      </p:nvGrpSpPr>
+      <p:grpSpPr>
+        <a:xfrm>
+          <a:off x="0" y="0"/>
+          <a:ext cx="0" cy="0"/>
+          <a:chOff x="0" y="0"/>
+          <a:chExt cx="0" cy="0"/>
+        </a:xfrm>
+      </p:grpSpPr>
+      <p:sp>
+        <p:nvSpPr>
+          <p:cNvPr id="2" name="Title 1">
+            <a:extLst>
+              <a:ext uri="{FF2B5EF4-FFF2-40B4-BE49-F238E27FC236}">
+                <a16:creationId xmlns:a16="http://schemas.microsoft.com/office/drawing/2014/main" id="{30B8C323-F735-40B1-8A8A-375361E37B63}"/>
+              </a:ext>
+            </a:extLst>
+          </p:cNvPr>
+          <p:cNvSpPr>
+            <a:spLocks noGrp="1"/>
+          </p:cNvSpPr>
+          <p:nvPr>
+            <p:ph type="title"/>
+          </p:nvPr>
+        </p:nvSpPr>
+        <p:spPr/>
+        <p:txBody>
+          <a:bodyPr/>
+          <a:lstStyle/>
+          <a:p>
+            <a:r>
+              <a:rPr lang="en-US" dirty="0" err="1">
+                <a:latin typeface="Times New Roman" panose="02020603050405020304" pitchFamily="18" charset="0"/>
+                <a:cs typeface="Times New Roman" panose="02020603050405020304" pitchFamily="18" charset="0"/>
+              </a:rPr>
+              <a:t>Kết</a:t>
+            </a:r>
+            <a:r>
+              <a:rPr lang="en-US" dirty="0">
+                <a:latin typeface="Times New Roman" panose="02020603050405020304" pitchFamily="18" charset="0"/>
+                <a:cs typeface="Times New Roman" panose="02020603050405020304" pitchFamily="18" charset="0"/>
+              </a:rPr>
+              <a:t> </a:t>
+            </a:r>
+            <a:r>
+              <a:rPr lang="en-US" dirty="0" err="1">
+                <a:latin typeface="Times New Roman" panose="02020603050405020304" pitchFamily="18" charset="0"/>
+                <a:cs typeface="Times New Roman" panose="02020603050405020304" pitchFamily="18" charset="0"/>
+              </a:rPr>
+              <a:t>quả</a:t>
+            </a:r>
+            <a:r>
+              <a:rPr lang="en-US" dirty="0">
+                <a:latin typeface="Times New Roman" panose="02020603050405020304" pitchFamily="18" charset="0"/>
+                <a:cs typeface="Times New Roman" panose="02020603050405020304" pitchFamily="18" charset="0"/>
+              </a:rPr>
+              <a:t> </a:t>
+            </a:r>
+            <a:r>
+              <a:rPr lang="en-US" dirty="0" err="1">
+                <a:latin typeface="Times New Roman" panose="02020603050405020304" pitchFamily="18" charset="0"/>
+                <a:cs typeface="Times New Roman" panose="02020603050405020304" pitchFamily="18" charset="0"/>
+              </a:rPr>
+              <a:t>thực</a:t>
+            </a:r>
+            <a:r>
+              <a:rPr lang="en-US" dirty="0">
+                <a:latin typeface="Times New Roman" panose="02020603050405020304" pitchFamily="18" charset="0"/>
+                <a:cs typeface="Times New Roman" panose="02020603050405020304" pitchFamily="18" charset="0"/>
+              </a:rPr>
+              <a:t> </a:t>
+            </a:r>
+            <a:r>
+              <a:rPr lang="en-US" dirty="0" err="1">
+                <a:latin typeface="Times New Roman" panose="02020603050405020304" pitchFamily="18" charset="0"/>
+                <a:cs typeface="Times New Roman" panose="02020603050405020304" pitchFamily="18" charset="0"/>
+              </a:rPr>
+              <a:t>nghiệm</a:t>
+            </a:r>
+            <a:endParaRPr lang="en-US" dirty="0">
+              <a:latin typeface="Times New Roman" panose="02020603050405020304" pitchFamily="18" charset="0"/>
+              <a:cs typeface="Times New Roman" panose="02020603050405020304" pitchFamily="18" charset="0"/>
+            </a:endParaRPr>
+          </a:p>
+        </p:txBody>
+      </p:sp>
+      <p:sp>
+        <p:nvSpPr>
+          <p:cNvPr id="3" name="Slide Number Placeholder 2">
+            <a:extLst>
+              <a:ext uri="{FF2B5EF4-FFF2-40B4-BE49-F238E27FC236}">
+                <a16:creationId xmlns:a16="http://schemas.microsoft.com/office/drawing/2014/main" id="{AABD8BF3-E034-4A5B-8573-7AA8EE04091A}"/>
+              </a:ext>
+            </a:extLst>
+          </p:cNvPr>
+          <p:cNvSpPr>
+            <a:spLocks noGrp="1"/>
+          </p:cNvSpPr>
+          <p:nvPr>
+            <p:ph type="sldNum" sz="quarter" idx="12"/>
+          </p:nvPr>
+        </p:nvSpPr>
+        <p:spPr/>
+        <p:txBody>
+          <a:bodyPr/>
+          <a:lstStyle/>
+          <a:p>
+            <a:fld id="{A02EBBDA-6239-48A4-BF42-145536EAE284}" type="slidenum">
+              <a:rPr lang="en-US" smtClean="0"/>
+              <a:t>25</a:t>
+            </a:fld>
+            <a:endParaRPr lang="en-US"/>
+          </a:p>
+        </p:txBody>
+      </p:sp>
+      <p:pic>
+        <p:nvPicPr>
+          <p:cNvPr id="5" name="Picture 4">
+            <a:extLst>
+              <a:ext uri="{FF2B5EF4-FFF2-40B4-BE49-F238E27FC236}">
+                <a16:creationId xmlns:a16="http://schemas.microsoft.com/office/drawing/2014/main" id="{58507199-12DC-44B4-B9E7-D9D0C06B51BB}"/>
+              </a:ext>
+            </a:extLst>
+          </p:cNvPr>
+          <p:cNvPicPr>
+            <a:picLocks noChangeAspect="1"/>
+          </p:cNvPicPr>
+          <p:nvPr/>
+        </p:nvPicPr>
+        <p:blipFill>
+          <a:blip r:embed="rId3"/>
+          <a:stretch>
+            <a:fillRect/>
+          </a:stretch>
+        </p:blipFill>
+        <p:spPr>
+          <a:xfrm>
+            <a:off x="1381328" y="1802937"/>
+            <a:ext cx="6381344" cy="4252631"/>
+          </a:xfrm>
+          <a:prstGeom prst="rect">
+            <a:avLst/>
+          </a:prstGeom>
+        </p:spPr>
+      </p:pic>
+    </p:spTree>
+    <p:extLst>
+      <p:ext uri="{BB962C8B-B14F-4D97-AF65-F5344CB8AC3E}">
+        <p14:creationId xmlns:p14="http://schemas.microsoft.com/office/powerpoint/2010/main" val="3899637708"/>
+      </p:ext>
+    </p:extLst>
+  </p:cSld>
+  <p:clrMapOvr>
+    <a:masterClrMapping/>
+  </p:clrMapOvr>
+</p:sld>
+</file>
+
+<file path=ppt/slides/slide26.xml><?xml version="1.0" encoding="utf-8"?>
+<p:sld xmlns:a="http://schemas.openxmlformats.org/drawingml/2006/main" xmlns:r="http://schemas.openxmlformats.org/officeDocument/2006/relationships" xmlns:p="http://schemas.openxmlformats.org/presentationml/2006/main">
+  <p:cSld>
+    <p:spTree>
+      <p:nvGrpSpPr>
+        <p:cNvPr id="1" name=""/>
+        <p:cNvGrpSpPr/>
+        <p:nvPr/>
+      </p:nvGrpSpPr>
+      <p:grpSpPr>
+        <a:xfrm>
+          <a:off x="0" y="0"/>
+          <a:ext cx="0" cy="0"/>
+          <a:chOff x="0" y="0"/>
+          <a:chExt cx="0" cy="0"/>
+        </a:xfrm>
+      </p:grpSpPr>
+      <p:sp>
+        <p:nvSpPr>
+          <p:cNvPr id="2" name="Title 1">
+            <a:extLst>
+              <a:ext uri="{FF2B5EF4-FFF2-40B4-BE49-F238E27FC236}">
+                <a16:creationId xmlns:a16="http://schemas.microsoft.com/office/drawing/2014/main" id="{30B8C323-F735-40B1-8A8A-375361E37B63}"/>
+              </a:ext>
+            </a:extLst>
+          </p:cNvPr>
+          <p:cNvSpPr>
+            <a:spLocks noGrp="1"/>
+          </p:cNvSpPr>
+          <p:nvPr>
+            <p:ph type="title"/>
+          </p:nvPr>
+        </p:nvSpPr>
+        <p:spPr/>
+        <p:txBody>
+          <a:bodyPr/>
+          <a:lstStyle/>
+          <a:p>
+            <a:r>
+              <a:rPr lang="en-US" dirty="0" err="1">
+                <a:latin typeface="Times New Roman" panose="02020603050405020304" pitchFamily="18" charset="0"/>
+                <a:cs typeface="Times New Roman" panose="02020603050405020304" pitchFamily="18" charset="0"/>
+              </a:rPr>
+              <a:t>Kết</a:t>
+            </a:r>
+            <a:r>
+              <a:rPr lang="en-US" dirty="0">
+                <a:latin typeface="Times New Roman" panose="02020603050405020304" pitchFamily="18" charset="0"/>
+                <a:cs typeface="Times New Roman" panose="02020603050405020304" pitchFamily="18" charset="0"/>
+              </a:rPr>
+              <a:t> </a:t>
+            </a:r>
+            <a:r>
+              <a:rPr lang="en-US" dirty="0" err="1">
+                <a:latin typeface="Times New Roman" panose="02020603050405020304" pitchFamily="18" charset="0"/>
+                <a:cs typeface="Times New Roman" panose="02020603050405020304" pitchFamily="18" charset="0"/>
+              </a:rPr>
+              <a:t>luận</a:t>
+            </a:r>
+            <a:endParaRPr lang="en-US" dirty="0">
+              <a:latin typeface="Times New Roman" panose="02020603050405020304" pitchFamily="18" charset="0"/>
+              <a:cs typeface="Times New Roman" panose="02020603050405020304" pitchFamily="18" charset="0"/>
+            </a:endParaRPr>
+          </a:p>
+        </p:txBody>
+      </p:sp>
+      <p:sp>
+        <p:nvSpPr>
+          <p:cNvPr id="3" name="Slide Number Placeholder 2">
+            <a:extLst>
+              <a:ext uri="{FF2B5EF4-FFF2-40B4-BE49-F238E27FC236}">
+                <a16:creationId xmlns:a16="http://schemas.microsoft.com/office/drawing/2014/main" id="{AABD8BF3-E034-4A5B-8573-7AA8EE04091A}"/>
+              </a:ext>
+            </a:extLst>
+          </p:cNvPr>
+          <p:cNvSpPr>
+            <a:spLocks noGrp="1"/>
+          </p:cNvSpPr>
+          <p:nvPr>
+            <p:ph type="sldNum" sz="quarter" idx="12"/>
+          </p:nvPr>
+        </p:nvSpPr>
+        <p:spPr/>
+        <p:txBody>
+          <a:bodyPr/>
+          <a:lstStyle/>
+          <a:p>
+            <a:fld id="{A02EBBDA-6239-48A4-BF42-145536EAE284}" type="slidenum">
+              <a:rPr lang="en-US" smtClean="0"/>
+              <a:t>26</a:t>
+            </a:fld>
+            <a:endParaRPr lang="en-US"/>
+          </a:p>
+        </p:txBody>
+      </p:sp>
+      <p:sp>
+        <p:nvSpPr>
+          <p:cNvPr id="5" name="TextBox 4">
+            <a:extLst>
+              <a:ext uri="{FF2B5EF4-FFF2-40B4-BE49-F238E27FC236}">
+                <a16:creationId xmlns:a16="http://schemas.microsoft.com/office/drawing/2014/main" id="{1CB911D6-781C-464D-B284-7A33222D0391}"/>
+              </a:ext>
+            </a:extLst>
+          </p:cNvPr>
+          <p:cNvSpPr txBox="1"/>
+          <p:nvPr/>
+        </p:nvSpPr>
+        <p:spPr>
+          <a:xfrm>
+            <a:off x="488950" y="1238248"/>
+            <a:ext cx="8123115" cy="2523768"/>
+          </a:xfrm>
+          <a:prstGeom prst="rect">
+            <a:avLst/>
+          </a:prstGeom>
+          <a:noFill/>
+        </p:spPr>
+        <p:txBody>
+          <a:bodyPr wrap="square" rtlCol="0">
+            <a:spAutoFit/>
+          </a:bodyPr>
+          <a:lstStyle/>
+          <a:p>
+            <a:pPr marL="285750" indent="-285750">
+              <a:buFont typeface="Arial" panose="020B0604020202020204" pitchFamily="34" charset="0"/>
+              <a:buChar char="•"/>
+            </a:pPr>
+            <a:r>
+              <a:rPr lang="vi-VN" dirty="0" err="1"/>
+              <a:t>Tìm</a:t>
+            </a:r>
+            <a:r>
+              <a:rPr lang="vi-VN" dirty="0"/>
+              <a:t> </a:t>
+            </a:r>
+            <a:r>
+              <a:rPr lang="vi-VN" dirty="0" err="1"/>
+              <a:t>hiểu</a:t>
+            </a:r>
+            <a:r>
+              <a:rPr lang="vi-VN" dirty="0"/>
+              <a:t> </a:t>
+            </a:r>
+            <a:r>
+              <a:rPr lang="vi-VN" dirty="0" err="1"/>
+              <a:t>về</a:t>
+            </a:r>
+            <a:r>
+              <a:rPr lang="vi-VN" dirty="0"/>
+              <a:t> quy </a:t>
+            </a:r>
+            <a:r>
+              <a:rPr lang="vi-VN" dirty="0" err="1"/>
+              <a:t>hoạch</a:t>
+            </a:r>
+            <a:r>
+              <a:rPr lang="vi-VN" dirty="0"/>
+              <a:t> nguyên </a:t>
+            </a:r>
+            <a:r>
+              <a:rPr lang="vi-VN" dirty="0" err="1"/>
+              <a:t>và</a:t>
+            </a:r>
+            <a:r>
+              <a:rPr lang="vi-VN" dirty="0"/>
+              <a:t> GA </a:t>
+            </a:r>
+            <a:r>
+              <a:rPr lang="vi-VN" dirty="0" err="1"/>
+              <a:t>để</a:t>
+            </a:r>
+            <a:r>
+              <a:rPr lang="vi-VN" dirty="0"/>
+              <a:t> </a:t>
+            </a:r>
+            <a:r>
+              <a:rPr lang="vi-VN" dirty="0" err="1"/>
+              <a:t>giải</a:t>
+            </a:r>
+            <a:r>
+              <a:rPr lang="vi-VN" dirty="0"/>
+              <a:t> </a:t>
+            </a:r>
+            <a:r>
+              <a:rPr lang="vi-VN" dirty="0" err="1"/>
+              <a:t>bài</a:t>
+            </a:r>
+            <a:r>
+              <a:rPr lang="vi-VN" dirty="0"/>
+              <a:t> </a:t>
+            </a:r>
+            <a:r>
+              <a:rPr lang="vi-VN" dirty="0" err="1"/>
+              <a:t>toán</a:t>
+            </a:r>
+            <a:endParaRPr lang="vi-VN" dirty="0"/>
+          </a:p>
+          <a:p>
+            <a:pPr marL="285750" indent="-285750">
+              <a:buFont typeface="Arial" panose="020B0604020202020204" pitchFamily="34" charset="0"/>
+              <a:buChar char="•"/>
+            </a:pPr>
+            <a:r>
+              <a:rPr lang="vi-VN" dirty="0"/>
+              <a:t>Chưa </a:t>
+            </a:r>
+            <a:r>
+              <a:rPr lang="vi-VN" dirty="0" err="1"/>
+              <a:t>chạy</a:t>
+            </a:r>
+            <a:r>
+              <a:rPr lang="vi-VN" dirty="0"/>
+              <a:t> </a:t>
+            </a:r>
+            <a:r>
+              <a:rPr lang="vi-VN" dirty="0" err="1"/>
+              <a:t>được</a:t>
+            </a:r>
+            <a:r>
+              <a:rPr lang="vi-VN" dirty="0"/>
+              <a:t> MILP cho </a:t>
+            </a:r>
+            <a:r>
+              <a:rPr lang="vi-VN" dirty="0" err="1"/>
+              <a:t>ràng</a:t>
+            </a:r>
+            <a:r>
+              <a:rPr lang="vi-VN" dirty="0"/>
+              <a:t> </a:t>
+            </a:r>
+            <a:r>
+              <a:rPr lang="vi-VN" dirty="0" err="1"/>
+              <a:t>buộc</a:t>
+            </a:r>
+            <a:r>
+              <a:rPr lang="vi-VN" dirty="0"/>
+              <a:t> </a:t>
+            </a:r>
+            <a:r>
+              <a:rPr lang="vi-VN" dirty="0" err="1"/>
+              <a:t>về</a:t>
+            </a:r>
+            <a:r>
+              <a:rPr lang="vi-VN" dirty="0"/>
+              <a:t> </a:t>
+            </a:r>
+            <a:r>
+              <a:rPr lang="vi-VN" dirty="0" err="1"/>
+              <a:t>mức</a:t>
+            </a:r>
+            <a:r>
+              <a:rPr lang="vi-VN" dirty="0"/>
+              <a:t> năng </a:t>
+            </a:r>
+            <a:r>
+              <a:rPr lang="vi-VN" dirty="0" err="1"/>
+              <a:t>lượng</a:t>
+            </a:r>
+            <a:endParaRPr lang="vi-VN" dirty="0"/>
+          </a:p>
+          <a:p>
+            <a:pPr marL="285750" indent="-285750">
+              <a:buFont typeface="Arial" panose="020B0604020202020204" pitchFamily="34" charset="0"/>
+              <a:buChar char="•"/>
+            </a:pPr>
+            <a:endParaRPr lang="vi-VN" dirty="0"/>
+          </a:p>
+          <a:p>
+            <a:pPr marL="285750" indent="-285750">
+              <a:buFont typeface="Arial" panose="020B0604020202020204" pitchFamily="34" charset="0"/>
+              <a:buChar char="•"/>
+            </a:pPr>
+            <a:r>
+              <a:rPr lang="vi-VN" dirty="0" err="1"/>
+              <a:t>Cải</a:t>
+            </a:r>
+            <a:r>
+              <a:rPr lang="vi-VN" dirty="0"/>
+              <a:t> </a:t>
+            </a:r>
+            <a:r>
+              <a:rPr lang="vi-VN" dirty="0" err="1"/>
+              <a:t>tiến</a:t>
+            </a:r>
+            <a:r>
+              <a:rPr lang="vi-VN" dirty="0"/>
+              <a:t> </a:t>
+            </a:r>
+            <a:r>
+              <a:rPr lang="vi-VN" dirty="0" err="1"/>
+              <a:t>thuật</a:t>
+            </a:r>
+            <a:r>
+              <a:rPr lang="vi-VN" dirty="0"/>
+              <a:t> </a:t>
+            </a:r>
+            <a:r>
+              <a:rPr lang="vi-VN" dirty="0" err="1"/>
+              <a:t>toán</a:t>
+            </a:r>
+            <a:endParaRPr lang="vi-VN" dirty="0"/>
+          </a:p>
+          <a:p>
+            <a:pPr marL="742950" lvl="1" indent="-285750">
+              <a:buFont typeface="Arial" panose="020B0604020202020204" pitchFamily="34" charset="0"/>
+              <a:buChar char="•"/>
+            </a:pPr>
+            <a:r>
+              <a:rPr lang="vi-VN" dirty="0" err="1"/>
+              <a:t>Sử</a:t>
+            </a:r>
+            <a:r>
+              <a:rPr lang="vi-VN" dirty="0"/>
+              <a:t> </a:t>
+            </a:r>
+            <a:r>
+              <a:rPr lang="vi-VN" dirty="0" err="1"/>
+              <a:t>dụng</a:t>
+            </a:r>
+            <a:r>
+              <a:rPr lang="vi-VN" dirty="0"/>
+              <a:t> </a:t>
+            </a:r>
+            <a:r>
+              <a:rPr lang="vi-VN" dirty="0" err="1"/>
+              <a:t>cách</a:t>
+            </a:r>
+            <a:r>
+              <a:rPr lang="vi-VN" dirty="0"/>
+              <a:t> </a:t>
+            </a:r>
+            <a:r>
+              <a:rPr lang="vi-VN" dirty="0" err="1"/>
+              <a:t>mã</a:t>
+            </a:r>
+            <a:r>
+              <a:rPr lang="vi-VN" dirty="0"/>
+              <a:t> </a:t>
+            </a:r>
+            <a:r>
+              <a:rPr lang="vi-VN" dirty="0" err="1"/>
+              <a:t>hóa</a:t>
+            </a:r>
+            <a:r>
+              <a:rPr lang="vi-VN" dirty="0"/>
+              <a:t> </a:t>
+            </a:r>
+            <a:r>
+              <a:rPr lang="vi-VN" dirty="0" err="1"/>
+              <a:t>khác</a:t>
+            </a:r>
+            <a:endParaRPr lang="vi-VN" dirty="0"/>
+          </a:p>
+          <a:p>
+            <a:pPr marL="742950" lvl="1" indent="-285750">
+              <a:buFont typeface="Arial" panose="020B0604020202020204" pitchFamily="34" charset="0"/>
+              <a:buChar char="•"/>
+            </a:pPr>
+            <a:r>
+              <a:rPr lang="vi-VN" dirty="0" err="1"/>
+              <a:t>Sử</a:t>
+            </a:r>
+            <a:r>
+              <a:rPr lang="vi-VN" dirty="0"/>
+              <a:t> </a:t>
+            </a:r>
+            <a:r>
+              <a:rPr lang="vi-VN" dirty="0" err="1"/>
+              <a:t>các</a:t>
+            </a:r>
+            <a:r>
+              <a:rPr lang="vi-VN" dirty="0"/>
+              <a:t> toan </a:t>
+            </a:r>
+            <a:r>
+              <a:rPr lang="vi-VN" dirty="0" err="1"/>
+              <a:t>tử</a:t>
+            </a:r>
+            <a:r>
+              <a:rPr lang="vi-VN" dirty="0"/>
+              <a:t> lai </a:t>
+            </a:r>
+            <a:r>
+              <a:rPr lang="vi-VN" dirty="0" err="1"/>
+              <a:t>ghép</a:t>
+            </a:r>
+            <a:r>
+              <a:rPr lang="vi-VN" dirty="0"/>
+              <a:t>, </a:t>
+            </a:r>
+            <a:r>
+              <a:rPr lang="vi-VN" dirty="0" err="1"/>
+              <a:t>đột</a:t>
+            </a:r>
+            <a:r>
+              <a:rPr lang="vi-VN" dirty="0"/>
+              <a:t> </a:t>
+            </a:r>
+            <a:r>
+              <a:rPr lang="vi-VN" dirty="0" err="1"/>
+              <a:t>biến</a:t>
+            </a:r>
+            <a:r>
+              <a:rPr lang="vi-VN" dirty="0"/>
+              <a:t> </a:t>
+            </a:r>
+            <a:r>
+              <a:rPr lang="vi-VN" dirty="0" err="1"/>
+              <a:t>khác</a:t>
+            </a:r>
+            <a:endParaRPr lang="vi-VN" dirty="0"/>
+          </a:p>
+          <a:p>
+            <a:pPr marL="742950" lvl="1" indent="-285750">
+              <a:buFont typeface="Arial" panose="020B0604020202020204" pitchFamily="34" charset="0"/>
+              <a:buChar char="•"/>
+            </a:pPr>
+            <a:endParaRPr lang="vi-VN" dirty="0"/>
+          </a:p>
+          <a:p>
+            <a:pPr marL="285750" indent="-285750">
+              <a:buFont typeface="Arial" panose="020B0604020202020204" pitchFamily="34" charset="0"/>
+              <a:buChar char="•"/>
+            </a:pPr>
+            <a:endParaRPr lang="vi-VN" sz="1600" dirty="0"/>
+          </a:p>
+          <a:p>
+            <a:pPr marL="285750" indent="-285750">
+              <a:buFont typeface="Arial" panose="020B0604020202020204" pitchFamily="34" charset="0"/>
+              <a:buChar char="•"/>
+            </a:pPr>
+            <a:endParaRPr lang="vi-VN" sz="1600" dirty="0"/>
+          </a:p>
+        </p:txBody>
+      </p:sp>
+    </p:spTree>
+    <p:extLst>
+      <p:ext uri="{BB962C8B-B14F-4D97-AF65-F5344CB8AC3E}">
+        <p14:creationId xmlns:p14="http://schemas.microsoft.com/office/powerpoint/2010/main" val="949985973"/>
       </p:ext>
     </p:extLst>
   </p:cSld>
@@ -27899,8 +29138,12 @@
           <a:lstStyle/>
           <a:p>
             <a:r>
+              <a:rPr lang="vi-VN" dirty="0"/>
+              <a:t>Mô </a:t>
+            </a:r>
+            <a:r>
               <a:rPr lang="vi-VN" dirty="0" err="1"/>
-              <a:t>Model</a:t>
+              <a:t>hình</a:t>
             </a:r>
             <a:r>
               <a:rPr lang="vi-VN" dirty="0"/>
@@ -27908,7 +29151,15 @@
             </a:r>
             <a:r>
               <a:rPr lang="vi-VN" dirty="0" err="1"/>
-              <a:t>formulation</a:t>
+              <a:t>bài</a:t>
+            </a:r>
+            <a:r>
+              <a:rPr lang="vi-VN" dirty="0"/>
+              <a:t> </a:t>
+            </a:r>
+            <a:r>
+              <a:rPr lang="vi-VN" dirty="0" err="1"/>
+              <a:t>toán</a:t>
             </a:r>
             <a:endParaRPr lang="vi-VN" dirty="0"/>
           </a:p>
@@ -28157,7 +29408,15 @@
             </a:r>
             <a:r>
               <a:rPr lang="vi-VN" dirty="0"/>
-              <a:t> canh cho 1 </a:t>
+              <a:t> </a:t>
+            </a:r>
+            <a:r>
+              <a:rPr lang="vi-VN" dirty="0" err="1"/>
+              <a:t>cánh</a:t>
+            </a:r>
+            <a:r>
+              <a:rPr lang="vi-VN" dirty="0"/>
+              <a:t> cho 1 </a:t>
             </a:r>
             <a:r>
               <a:rPr lang="vi-VN" dirty="0" err="1"/>
